--- a/Project1_LondonHousingCaseStudy.pptx
+++ b/Project1_LondonHousingCaseStudy.pptx
@@ -9,7 +9,9 @@
     <p:sldId id="257" r:id="rId3"/>
     <p:sldId id="258" r:id="rId4"/>
     <p:sldId id="259" r:id="rId5"/>
-    <p:sldId id="260" r:id="rId6"/>
+    <p:sldId id="261" r:id="rId6"/>
+    <p:sldId id="262" r:id="rId7"/>
+    <p:sldId id="260" r:id="rId8"/>
   </p:sldIdLst>
   <p:sldSz cx="12192000" cy="6858000"/>
   <p:notesSz cx="6858000" cy="9144000"/>
@@ -108,6 +110,11 @@
       </a:defRPr>
     </a:lvl9pPr>
   </p:defaultTextStyle>
+  <p:extLst>
+    <p:ext uri="{EFAFB233-063F-42B5-8137-9DF3F51BA10A}">
+      <p15:sldGuideLst xmlns:p15="http://schemas.microsoft.com/office/powerpoint/2012/main"/>
+    </p:ext>
+  </p:extLst>
 </p:presentation>
 </file>
 
@@ -7578,6 +7585,232 @@
           <a:chExt cx="0" cy="0"/>
         </a:xfrm>
       </p:grpSpPr>
+      <p:pic>
+        <p:nvPicPr>
+          <p:cNvPr id="1026" name="Picture 2">
+            <a:extLst>
+              <a:ext uri="{FF2B5EF4-FFF2-40B4-BE49-F238E27FC236}">
+                <a16:creationId xmlns:a16="http://schemas.microsoft.com/office/drawing/2014/main" id="{F86942AB-C60C-4675-B607-F655C5ADF113}"/>
+              </a:ext>
+            </a:extLst>
+          </p:cNvPr>
+          <p:cNvPicPr>
+            <a:picLocks noChangeAspect="1" noChangeArrowheads="1"/>
+          </p:cNvPicPr>
+          <p:nvPr/>
+        </p:nvPicPr>
+        <p:blipFill>
+          <a:blip r:embed="rId2">
+            <a:extLst>
+              <a:ext uri="{28A0092B-C50C-407E-A947-70E740481C1C}">
+                <a14:useLocalDpi xmlns:a14="http://schemas.microsoft.com/office/drawing/2010/main" val="0"/>
+              </a:ext>
+            </a:extLst>
+          </a:blip>
+          <a:srcRect/>
+          <a:stretch>
+            <a:fillRect/>
+          </a:stretch>
+        </p:blipFill>
+        <p:spPr bwMode="auto">
+          <a:xfrm>
+            <a:off x="1350963" y="1546225"/>
+            <a:ext cx="6726237" cy="4594334"/>
+          </a:xfrm>
+          <a:prstGeom prst="rect">
+            <a:avLst/>
+          </a:prstGeom>
+          <a:noFill/>
+          <a:extLst>
+            <a:ext uri="{909E8E84-426E-40DD-AFC4-6F175D3DCCD1}">
+              <a14:hiddenFill xmlns:a14="http://schemas.microsoft.com/office/drawing/2010/main">
+                <a:solidFill>
+                  <a:srgbClr val="FFFFFF"/>
+                </a:solidFill>
+              </a14:hiddenFill>
+            </a:ext>
+          </a:extLst>
+        </p:spPr>
+      </p:pic>
+      <p:sp>
+        <p:nvSpPr>
+          <p:cNvPr id="5" name="Title 1">
+            <a:extLst>
+              <a:ext uri="{FF2B5EF4-FFF2-40B4-BE49-F238E27FC236}">
+                <a16:creationId xmlns:a16="http://schemas.microsoft.com/office/drawing/2014/main" id="{2C962AD6-7598-403E-9201-D0A2E3073B1B}"/>
+              </a:ext>
+            </a:extLst>
+          </p:cNvPr>
+          <p:cNvSpPr>
+            <a:spLocks noGrp="1"/>
+          </p:cNvSpPr>
+          <p:nvPr>
+            <p:ph type="title"/>
+          </p:nvPr>
+        </p:nvSpPr>
+        <p:spPr>
+          <a:xfrm>
+            <a:off x="893763" y="487992"/>
+            <a:ext cx="7947992" cy="662781"/>
+          </a:xfrm>
+        </p:spPr>
+        <p:txBody>
+          <a:bodyPr>
+            <a:normAutofit/>
+          </a:bodyPr>
+          <a:lstStyle/>
+          <a:p>
+            <a:pPr algn="ctr"/>
+            <a:r>
+              <a:rPr lang="en-US" sz="2400" b="1" dirty="0"/>
+              <a:t>Hackney Borough House Price Trend</a:t>
+            </a:r>
+          </a:p>
+        </p:txBody>
+      </p:sp>
+    </p:spTree>
+    <p:extLst>
+      <p:ext uri="{BB962C8B-B14F-4D97-AF65-F5344CB8AC3E}">
+        <p14:creationId xmlns:p14="http://schemas.microsoft.com/office/powerpoint/2010/main" val="1322010433"/>
+      </p:ext>
+    </p:extLst>
+  </p:cSld>
+  <p:clrMapOvr>
+    <a:masterClrMapping/>
+  </p:clrMapOvr>
+</p:sld>
+</file>
+
+<file path=ppt/slides/slide6.xml><?xml version="1.0" encoding="utf-8"?>
+<p:sld xmlns:a="http://schemas.openxmlformats.org/drawingml/2006/main" xmlns:r="http://schemas.openxmlformats.org/officeDocument/2006/relationships" xmlns:p="http://schemas.openxmlformats.org/presentationml/2006/main">
+  <p:cSld>
+    <p:spTree>
+      <p:nvGrpSpPr>
+        <p:cNvPr id="1" name=""/>
+        <p:cNvGrpSpPr/>
+        <p:nvPr/>
+      </p:nvGrpSpPr>
+      <p:grpSpPr>
+        <a:xfrm>
+          <a:off x="0" y="0"/>
+          <a:ext cx="0" cy="0"/>
+          <a:chOff x="0" y="0"/>
+          <a:chExt cx="0" cy="0"/>
+        </a:xfrm>
+      </p:grpSpPr>
+      <p:pic>
+        <p:nvPicPr>
+          <p:cNvPr id="2050" name="Picture 2">
+            <a:extLst>
+              <a:ext uri="{FF2B5EF4-FFF2-40B4-BE49-F238E27FC236}">
+                <a16:creationId xmlns:a16="http://schemas.microsoft.com/office/drawing/2014/main" id="{8CE5029A-D2E0-4E8B-B9F4-0FD688148AF0}"/>
+              </a:ext>
+            </a:extLst>
+          </p:cNvPr>
+          <p:cNvPicPr>
+            <a:picLocks noChangeAspect="1" noChangeArrowheads="1"/>
+          </p:cNvPicPr>
+          <p:nvPr/>
+        </p:nvPicPr>
+        <p:blipFill>
+          <a:blip r:embed="rId2">
+            <a:extLst>
+              <a:ext uri="{28A0092B-C50C-407E-A947-70E740481C1C}">
+                <a14:useLocalDpi xmlns:a14="http://schemas.microsoft.com/office/drawing/2010/main" val="0"/>
+              </a:ext>
+            </a:extLst>
+          </a:blip>
+          <a:srcRect/>
+          <a:stretch>
+            <a:fillRect/>
+          </a:stretch>
+        </p:blipFill>
+        <p:spPr bwMode="auto">
+          <a:xfrm>
+            <a:off x="1485900" y="1892300"/>
+            <a:ext cx="6065274" cy="4000500"/>
+          </a:xfrm>
+          <a:prstGeom prst="rect">
+            <a:avLst/>
+          </a:prstGeom>
+          <a:noFill/>
+          <a:extLst>
+            <a:ext uri="{909E8E84-426E-40DD-AFC4-6F175D3DCCD1}">
+              <a14:hiddenFill xmlns:a14="http://schemas.microsoft.com/office/drawing/2010/main">
+                <a:solidFill>
+                  <a:srgbClr val="FFFFFF"/>
+                </a:solidFill>
+              </a14:hiddenFill>
+            </a:ext>
+          </a:extLst>
+        </p:spPr>
+      </p:pic>
+      <p:sp>
+        <p:nvSpPr>
+          <p:cNvPr id="5" name="Title 1">
+            <a:extLst>
+              <a:ext uri="{FF2B5EF4-FFF2-40B4-BE49-F238E27FC236}">
+                <a16:creationId xmlns:a16="http://schemas.microsoft.com/office/drawing/2014/main" id="{FD874E68-48A9-4A25-8176-825519791219}"/>
+              </a:ext>
+            </a:extLst>
+          </p:cNvPr>
+          <p:cNvSpPr>
+            <a:spLocks noGrp="1"/>
+          </p:cNvSpPr>
+          <p:nvPr>
+            <p:ph type="title"/>
+          </p:nvPr>
+        </p:nvSpPr>
+        <p:spPr>
+          <a:xfrm>
+            <a:off x="0" y="736600"/>
+            <a:ext cx="9818660" cy="662781"/>
+          </a:xfrm>
+        </p:spPr>
+        <p:txBody>
+          <a:bodyPr>
+            <a:normAutofit fontScale="90000"/>
+          </a:bodyPr>
+          <a:lstStyle/>
+          <a:p>
+            <a:pPr algn="ctr"/>
+            <a:r>
+              <a:rPr lang="en-US" sz="2400" b="1" dirty="0"/>
+              <a:t>Histogram of all Boroughs housing price increase over the two decades</a:t>
+            </a:r>
+          </a:p>
+        </p:txBody>
+      </p:sp>
+    </p:spTree>
+    <p:extLst>
+      <p:ext uri="{BB962C8B-B14F-4D97-AF65-F5344CB8AC3E}">
+        <p14:creationId xmlns:p14="http://schemas.microsoft.com/office/powerpoint/2010/main" val="4124426021"/>
+      </p:ext>
+    </p:extLst>
+  </p:cSld>
+  <p:clrMapOvr>
+    <a:masterClrMapping/>
+  </p:clrMapOvr>
+</p:sld>
+</file>
+
+<file path=ppt/slides/slide7.xml><?xml version="1.0" encoding="utf-8"?>
+<p:sld xmlns:a="http://schemas.openxmlformats.org/drawingml/2006/main" xmlns:r="http://schemas.openxmlformats.org/officeDocument/2006/relationships" xmlns:p="http://schemas.openxmlformats.org/presentationml/2006/main">
+  <p:cSld>
+    <p:spTree>
+      <p:nvGrpSpPr>
+        <p:cNvPr id="1" name=""/>
+        <p:cNvGrpSpPr/>
+        <p:nvPr/>
+      </p:nvGrpSpPr>
+      <p:grpSpPr>
+        <a:xfrm>
+          <a:off x="0" y="0"/>
+          <a:ext cx="0" cy="0"/>
+          <a:chOff x="0" y="0"/>
+          <a:chExt cx="0" cy="0"/>
+        </a:xfrm>
+      </p:grpSpPr>
       <p:sp>
         <p:nvSpPr>
           <p:cNvPr id="2" name="Title 1">
@@ -7636,7 +7869,7 @@
           <a:p>
             <a:r>
               <a:rPr lang="en-US" sz="2800" dirty="0"/>
-              <a:t>Hackney Borough has the greatest housing price increase over the last two decades in Greater London area.</a:t>
+              <a:t>Hackney Borough has the greatest housing price increase over the last two decades in Greater London area. The increase ratio is especially high, needing more in-depth investigation of reasons.</a:t>
             </a:r>
           </a:p>
         </p:txBody>
